--- a/FeatureSelection/presentation/Presentation.pptx
+++ b/FeatureSelection/presentation/Presentation.pptx
@@ -6,11 +6,14 @@
   </p:sldMasterIdLst>
   <p:sldIdLst>
     <p:sldId id="256" r:id="rId2"/>
-    <p:sldId id="257" r:id="rId3"/>
-    <p:sldId id="258" r:id="rId4"/>
+    <p:sldId id="258" r:id="rId3"/>
+    <p:sldId id="263" r:id="rId4"/>
     <p:sldId id="259" r:id="rId5"/>
     <p:sldId id="260" r:id="rId6"/>
-    <p:sldId id="261" r:id="rId7"/>
+    <p:sldId id="268" r:id="rId7"/>
+    <p:sldId id="264" r:id="rId8"/>
+    <p:sldId id="265" r:id="rId9"/>
+    <p:sldId id="266" r:id="rId10"/>
   </p:sldIdLst>
   <p:sldSz cx="12192000" cy="6858000"/>
   <p:notesSz cx="6858000" cy="9144000"/>
@@ -109,6 +112,11 @@
       </a:defRPr>
     </a:lvl9pPr>
   </p:defaultTextStyle>
+  <p:extLst>
+    <p:ext uri="{EFAFB233-063F-42B5-8137-9DF3F51BA10A}">
+      <p15:sldGuideLst xmlns:p15="http://schemas.microsoft.com/office/powerpoint/2012/main"/>
+    </p:ext>
+  </p:extLst>
 </p:presentation>
 </file>
 
@@ -3419,7 +3427,7 @@
           <p:cNvPr id="2" name="Tytuł 1">
             <a:extLst>
               <a:ext uri="{FF2B5EF4-FFF2-40B4-BE49-F238E27FC236}">
-                <a16:creationId xmlns:a16="http://schemas.microsoft.com/office/drawing/2014/main" id="{3563D4C9-AB0D-486B-9F87-48D7761E9808}"/>
+                <a16:creationId xmlns:a16="http://schemas.microsoft.com/office/drawing/2014/main" id="{25E4F10B-4C96-43A6-90BC-FD8021B025E3}"/>
               </a:ext>
             </a:extLst>
           </p:cNvPr>
@@ -3438,7 +3446,7 @@
             <a:pPr algn="ctr"/>
             <a:r>
               <a:rPr lang="pl-PL" dirty="0"/>
-              <a:t>Problem</a:t>
+              <a:t>Wykorzystane metody</a:t>
             </a:r>
           </a:p>
         </p:txBody>
@@ -3448,7 +3456,7 @@
           <p:cNvPr id="3" name="Symbol zastępczy zawartości 2">
             <a:extLst>
               <a:ext uri="{FF2B5EF4-FFF2-40B4-BE49-F238E27FC236}">
-                <a16:creationId xmlns:a16="http://schemas.microsoft.com/office/drawing/2014/main" id="{97F93E7B-A4E2-49D1-84F5-BF7F3B607394}"/>
+                <a16:creationId xmlns:a16="http://schemas.microsoft.com/office/drawing/2014/main" id="{ABB0AAB8-1555-4A5C-A208-D748FF44B573}"/>
               </a:ext>
             </a:extLst>
           </p:cNvPr>
@@ -3464,17 +3472,78 @@
           <a:bodyPr/>
           <a:lstStyle/>
           <a:p>
+            <a:pPr marL="0" indent="0">
+              <a:buNone/>
+            </a:pPr>
             <a:r>
               <a:rPr lang="pl-PL" dirty="0"/>
-              <a:t>Klasyfikacja </a:t>
-            </a:r>
+              <a:t>Selekcja cech:</a:t>
+            </a:r>
+          </a:p>
+          <a:p>
+            <a:r>
+              <a:rPr lang="pl-PL" dirty="0" err="1"/>
+              <a:t>randomForest</a:t>
+            </a:r>
+            <a:endParaRPr lang="pl-PL" dirty="0"/>
+          </a:p>
+          <a:p>
+            <a:r>
+              <a:rPr lang="pl-PL" dirty="0"/>
+              <a:t>Information </a:t>
+            </a:r>
+            <a:r>
+              <a:rPr lang="pl-PL" dirty="0" err="1"/>
+              <a:t>gain</a:t>
+            </a:r>
+            <a:endParaRPr lang="pl-PL" dirty="0"/>
+          </a:p>
+          <a:p>
+            <a:r>
+              <a:rPr lang="pl-PL" dirty="0"/>
+              <a:t>Filtrowanie + </a:t>
+            </a:r>
+            <a:r>
+              <a:rPr lang="pl-PL" dirty="0" err="1"/>
+              <a:t>glm</a:t>
+            </a:r>
+            <a:endParaRPr lang="pl-PL" dirty="0"/>
+          </a:p>
+          <a:p>
+            <a:pPr marL="0" indent="0">
+              <a:buNone/>
+            </a:pPr>
+            <a:endParaRPr lang="pl-PL" dirty="0"/>
+          </a:p>
+          <a:p>
+            <a:pPr marL="0" indent="0">
+              <a:buNone/>
+            </a:pPr>
+            <a:r>
+              <a:rPr lang="pl-PL" dirty="0"/>
+              <a:t>Klasyfikacja:</a:t>
+            </a:r>
+          </a:p>
+          <a:p>
+            <a:r>
+              <a:rPr lang="pl-PL" dirty="0" err="1"/>
+              <a:t>Xgboost</a:t>
+            </a:r>
+            <a:endParaRPr lang="pl-PL" dirty="0"/>
+          </a:p>
+          <a:p>
+            <a:r>
+              <a:rPr lang="pl-PL" dirty="0" err="1"/>
+              <a:t>Glm</a:t>
+            </a:r>
+            <a:endParaRPr lang="pl-PL" dirty="0"/>
           </a:p>
         </p:txBody>
       </p:sp>
     </p:spTree>
     <p:extLst>
       <p:ext uri="{BB962C8B-B14F-4D97-AF65-F5344CB8AC3E}">
-        <p14:creationId xmlns:p14="http://schemas.microsoft.com/office/powerpoint/2010/main" val="929355446"/>
+        <p14:creationId xmlns:p14="http://schemas.microsoft.com/office/powerpoint/2010/main" val="2499232383"/>
       </p:ext>
     </p:extLst>
   </p:cSld>
@@ -3506,7 +3575,7 @@
           <p:cNvPr id="2" name="Tytuł 1">
             <a:extLst>
               <a:ext uri="{FF2B5EF4-FFF2-40B4-BE49-F238E27FC236}">
-                <a16:creationId xmlns:a16="http://schemas.microsoft.com/office/drawing/2014/main" id="{25E4F10B-4C96-43A6-90BC-FD8021B025E3}"/>
+                <a16:creationId xmlns:a16="http://schemas.microsoft.com/office/drawing/2014/main" id="{8B0B198F-3287-42F7-A9A4-9B3132BE4402}"/>
               </a:ext>
             </a:extLst>
           </p:cNvPr>
@@ -3525,7 +3594,7 @@
             <a:pPr algn="ctr"/>
             <a:r>
               <a:rPr lang="pl-PL" dirty="0"/>
-              <a:t>Algorytmy klasyfikacyjne</a:t>
+              <a:t>Wersja bez selekcji</a:t>
             </a:r>
           </a:p>
         </p:txBody>
@@ -3535,7 +3604,7 @@
           <p:cNvPr id="3" name="Symbol zastępczy zawartości 2">
             <a:extLst>
               <a:ext uri="{FF2B5EF4-FFF2-40B4-BE49-F238E27FC236}">
-                <a16:creationId xmlns:a16="http://schemas.microsoft.com/office/drawing/2014/main" id="{ABB0AAB8-1555-4A5C-A208-D748FF44B573}"/>
+                <a16:creationId xmlns:a16="http://schemas.microsoft.com/office/drawing/2014/main" id="{9123FDF3-0CEF-4CB4-A958-FF0B179BDCFD}"/>
               </a:ext>
             </a:extLst>
           </p:cNvPr>
@@ -3551,59 +3620,30 @@
           <a:bodyPr/>
           <a:lstStyle/>
           <a:p>
+            <a:endParaRPr lang="pl-PL" dirty="0"/>
+          </a:p>
+          <a:p>
+            <a:endParaRPr lang="pl-PL" dirty="0"/>
+          </a:p>
+          <a:p>
             <a:pPr marL="0" indent="0">
               <a:buNone/>
             </a:pPr>
             <a:r>
-              <a:rPr lang="pl-PL" dirty="0"/>
-              <a:t>Selekcja cech:</a:t>
-            </a:r>
-          </a:p>
-          <a:p>
-            <a:r>
-              <a:rPr lang="pl-PL" dirty="0" err="1"/>
-              <a:t>randomForest</a:t>
-            </a:r>
-            <a:r>
-              <a:rPr lang="pl-PL" dirty="0"/>
-              <a:t> – selekcja cech</a:t>
-            </a:r>
-          </a:p>
-          <a:p>
-            <a:pPr marL="0" indent="0">
-              <a:buNone/>
-            </a:pPr>
-            <a:endParaRPr lang="pl-PL" dirty="0"/>
-          </a:p>
-          <a:p>
-            <a:pPr marL="0" indent="0">
-              <a:buNone/>
-            </a:pPr>
-            <a:r>
-              <a:rPr lang="pl-PL" dirty="0"/>
-              <a:t>Klasyfikacja</a:t>
-            </a:r>
-          </a:p>
-          <a:p>
-            <a:r>
-              <a:rPr lang="pl-PL" dirty="0" err="1"/>
+              <a:rPr lang="pl-PL" sz="4800" dirty="0" err="1"/>
               <a:t>Xgboost</a:t>
             </a:r>
-            <a:endParaRPr lang="pl-PL" dirty="0"/>
-          </a:p>
-          <a:p>
-            <a:r>
-              <a:rPr lang="pl-PL" dirty="0" err="1"/>
-              <a:t>kNN</a:t>
-            </a:r>
-            <a:endParaRPr lang="pl-PL" dirty="0"/>
+            <a:r>
+              <a:rPr lang="pl-PL" sz="4800" dirty="0"/>
+              <a:t> :	79,63%</a:t>
+            </a:r>
           </a:p>
         </p:txBody>
       </p:sp>
     </p:spTree>
     <p:extLst>
       <p:ext uri="{BB962C8B-B14F-4D97-AF65-F5344CB8AC3E}">
-        <p14:creationId xmlns:p14="http://schemas.microsoft.com/office/powerpoint/2010/main" val="2499232383"/>
+        <p14:creationId xmlns:p14="http://schemas.microsoft.com/office/powerpoint/2010/main" val="2391056364"/>
       </p:ext>
     </p:extLst>
   </p:cSld>
@@ -3702,7 +3742,15 @@
           <a:p>
             <a:r>
               <a:rPr lang="pl-PL" dirty="0"/>
-              <a:t>Treningi z dokładaniem zmiennych</a:t>
+              <a:t>Treningi </a:t>
+            </a:r>
+            <a:r>
+              <a:rPr lang="pl-PL" dirty="0" err="1"/>
+              <a:t>xgboost</a:t>
+            </a:r>
+            <a:r>
+              <a:rPr lang="pl-PL" dirty="0"/>
+              <a:t> z dokładaniem zmiennych</a:t>
             </a:r>
           </a:p>
           <a:p>
@@ -3889,12 +3937,13 @@
             <a:pPr algn="ctr"/>
             <a:r>
               <a:rPr lang="pl-PL" dirty="0"/>
-              <a:t>Selekcja </a:t>
-            </a:r>
-            <a:r>
-              <a:rPr lang="pl-PL"/>
-              <a:t>z wykorzystaniem Boruta</a:t>
-            </a:r>
+              <a:t>Selekcja z wykorzystaniem </a:t>
+            </a:r>
+            <a:r>
+              <a:rPr lang="pl-PL" dirty="0" err="1"/>
+              <a:t>FSelector</a:t>
+            </a:r>
+            <a:endParaRPr lang="pl-PL" dirty="0"/>
           </a:p>
         </p:txBody>
       </p:sp>
@@ -3919,14 +3968,589 @@
           <a:bodyPr/>
           <a:lstStyle/>
           <a:p>
-            <a:endParaRPr lang="pl-PL"/>
-          </a:p>
-        </p:txBody>
-      </p:sp>
+            <a:pPr marL="0" indent="0">
+              <a:buNone/>
+            </a:pPr>
+            <a:endParaRPr lang="pl-PL" dirty="0"/>
+          </a:p>
+          <a:p>
+            <a:r>
+              <a:rPr lang="pl-PL" dirty="0"/>
+              <a:t>Selekcja na podstawie niezerowej informacji wzajemnej</a:t>
+            </a:r>
+          </a:p>
+          <a:p>
+            <a:r>
+              <a:rPr lang="pl-PL" dirty="0"/>
+              <a:t>7 wybranych zmiennych</a:t>
+            </a:r>
+          </a:p>
+          <a:p>
+            <a:endParaRPr lang="pl-PL" dirty="0"/>
+          </a:p>
+        </p:txBody>
+      </p:sp>
+      <p:graphicFrame>
+        <p:nvGraphicFramePr>
+          <p:cNvPr id="4" name="Tabela 3">
+            <a:extLst>
+              <a:ext uri="{FF2B5EF4-FFF2-40B4-BE49-F238E27FC236}">
+                <a16:creationId xmlns:a16="http://schemas.microsoft.com/office/drawing/2014/main" id="{3E0E6C3C-A867-456D-9074-DF20EE7AE28C}"/>
+              </a:ext>
+            </a:extLst>
+          </p:cNvPr>
+          <p:cNvGraphicFramePr>
+            <a:graphicFrameLocks noGrp="1"/>
+          </p:cNvGraphicFramePr>
+          <p:nvPr/>
+        </p:nvGraphicFramePr>
+        <p:xfrm>
+          <a:off x="2032000" y="3848760"/>
+          <a:ext cx="8128000" cy="1483360"/>
+        </p:xfrm>
+        <a:graphic>
+          <a:graphicData uri="http://schemas.openxmlformats.org/drawingml/2006/table">
+            <a:tbl>
+              <a:tblPr firstRow="1" bandRow="1">
+                <a:tableStyleId>{C083E6E3-FA7D-4D7B-A595-EF9225AFEA82}</a:tableStyleId>
+              </a:tblPr>
+              <a:tblGrid>
+                <a:gridCol w="4064000">
+                  <a:extLst>
+                    <a:ext uri="{9D8B030D-6E8A-4147-A177-3AD203B41FA5}">
+                      <a16:colId xmlns:a16="http://schemas.microsoft.com/office/drawing/2014/main" val="728244356"/>
+                    </a:ext>
+                  </a:extLst>
+                </a:gridCol>
+                <a:gridCol w="4064000">
+                  <a:extLst>
+                    <a:ext uri="{9D8B030D-6E8A-4147-A177-3AD203B41FA5}">
+                      <a16:colId xmlns:a16="http://schemas.microsoft.com/office/drawing/2014/main" val="2254034802"/>
+                    </a:ext>
+                  </a:extLst>
+                </a:gridCol>
+              </a:tblGrid>
+              <a:tr h="370840">
+                <a:tc>
+                  <a:txBody>
+                    <a:bodyPr/>
+                    <a:lstStyle/>
+                    <a:p>
+                      <a:r>
+                        <a:rPr lang="pl-PL" dirty="0"/>
+                        <a:t>Algorytm</a:t>
+                      </a:r>
+                    </a:p>
+                  </a:txBody>
+                  <a:tcPr/>
+                </a:tc>
+                <a:tc>
+                  <a:txBody>
+                    <a:bodyPr/>
+                    <a:lstStyle/>
+                    <a:p>
+                      <a:r>
+                        <a:rPr lang="pl-PL" dirty="0" err="1"/>
+                        <a:t>Balanced</a:t>
+                      </a:r>
+                      <a:r>
+                        <a:rPr lang="pl-PL" dirty="0"/>
+                        <a:t> </a:t>
+                      </a:r>
+                      <a:r>
+                        <a:rPr lang="pl-PL" dirty="0" err="1"/>
+                        <a:t>accuracy</a:t>
+                      </a:r>
+                      <a:endParaRPr lang="pl-PL" dirty="0"/>
+                    </a:p>
+                  </a:txBody>
+                  <a:tcPr/>
+                </a:tc>
+                <a:extLst>
+                  <a:ext uri="{0D108BD9-81ED-4DB2-BD59-A6C34878D82A}">
+                    <a16:rowId xmlns:a16="http://schemas.microsoft.com/office/drawing/2014/main" val="2710019588"/>
+                  </a:ext>
+                </a:extLst>
+              </a:tr>
+              <a:tr h="370840">
+                <a:tc>
+                  <a:txBody>
+                    <a:bodyPr/>
+                    <a:lstStyle/>
+                    <a:p>
+                      <a:r>
+                        <a:rPr lang="pl-PL" dirty="0" err="1"/>
+                        <a:t>glm</a:t>
+                      </a:r>
+                      <a:endParaRPr lang="pl-PL" dirty="0"/>
+                    </a:p>
+                  </a:txBody>
+                  <a:tcPr/>
+                </a:tc>
+                <a:tc>
+                  <a:txBody>
+                    <a:bodyPr/>
+                    <a:lstStyle/>
+                    <a:p>
+                      <a:r>
+                        <a:rPr lang="pl-PL" dirty="0"/>
+                        <a:t>57,21 %</a:t>
+                      </a:r>
+                    </a:p>
+                  </a:txBody>
+                  <a:tcPr/>
+                </a:tc>
+                <a:extLst>
+                  <a:ext uri="{0D108BD9-81ED-4DB2-BD59-A6C34878D82A}">
+                    <a16:rowId xmlns:a16="http://schemas.microsoft.com/office/drawing/2014/main" val="313527956"/>
+                  </a:ext>
+                </a:extLst>
+              </a:tr>
+              <a:tr h="370840">
+                <a:tc>
+                  <a:txBody>
+                    <a:bodyPr/>
+                    <a:lstStyle/>
+                    <a:p>
+                      <a:r>
+                        <a:rPr lang="pl-PL" dirty="0" err="1"/>
+                        <a:t>rpart</a:t>
+                      </a:r>
+                      <a:endParaRPr lang="pl-PL" dirty="0"/>
+                    </a:p>
+                  </a:txBody>
+                  <a:tcPr/>
+                </a:tc>
+                <a:tc>
+                  <a:txBody>
+                    <a:bodyPr/>
+                    <a:lstStyle/>
+                    <a:p>
+                      <a:r>
+                        <a:rPr lang="pl-PL" dirty="0"/>
+                        <a:t>66,5 %</a:t>
+                      </a:r>
+                    </a:p>
+                  </a:txBody>
+                  <a:tcPr/>
+                </a:tc>
+                <a:extLst>
+                  <a:ext uri="{0D108BD9-81ED-4DB2-BD59-A6C34878D82A}">
+                    <a16:rowId xmlns:a16="http://schemas.microsoft.com/office/drawing/2014/main" val="4155017090"/>
+                  </a:ext>
+                </a:extLst>
+              </a:tr>
+              <a:tr h="370840">
+                <a:tc>
+                  <a:txBody>
+                    <a:bodyPr/>
+                    <a:lstStyle/>
+                    <a:p>
+                      <a:r>
+                        <a:rPr lang="pl-PL" dirty="0" err="1"/>
+                        <a:t>xgboost</a:t>
+                      </a:r>
+                      <a:endParaRPr lang="pl-PL" dirty="0"/>
+                    </a:p>
+                  </a:txBody>
+                  <a:tcPr/>
+                </a:tc>
+                <a:tc>
+                  <a:txBody>
+                    <a:bodyPr/>
+                    <a:lstStyle/>
+                    <a:p>
+                      <a:r>
+                        <a:rPr lang="pl-PL" dirty="0"/>
+                        <a:t>74,8 %</a:t>
+                      </a:r>
+                    </a:p>
+                  </a:txBody>
+                  <a:tcPr/>
+                </a:tc>
+                <a:extLst>
+                  <a:ext uri="{0D108BD9-81ED-4DB2-BD59-A6C34878D82A}">
+                    <a16:rowId xmlns:a16="http://schemas.microsoft.com/office/drawing/2014/main" val="1232288239"/>
+                  </a:ext>
+                </a:extLst>
+              </a:tr>
+            </a:tbl>
+          </a:graphicData>
+        </a:graphic>
+      </p:graphicFrame>
     </p:spTree>
     <p:extLst>
       <p:ext uri="{BB962C8B-B14F-4D97-AF65-F5344CB8AC3E}">
-        <p14:creationId xmlns:p14="http://schemas.microsoft.com/office/powerpoint/2010/main" val="124889348"/>
+        <p14:creationId xmlns:p14="http://schemas.microsoft.com/office/powerpoint/2010/main" val="3215821455"/>
+      </p:ext>
+    </p:extLst>
+  </p:cSld>
+  <p:clrMapOvr>
+    <a:masterClrMapping/>
+  </p:clrMapOvr>
+</p:sld>
+</file>
+
+<file path=ppt/slides/slide7.xml><?xml version="1.0" encoding="utf-8"?>
+<p:sld xmlns:a="http://schemas.openxmlformats.org/drawingml/2006/main" xmlns:r="http://schemas.openxmlformats.org/officeDocument/2006/relationships" xmlns:p="http://schemas.openxmlformats.org/presentationml/2006/main">
+  <p:cSld>
+    <p:spTree>
+      <p:nvGrpSpPr>
+        <p:cNvPr id="1" name=""/>
+        <p:cNvGrpSpPr/>
+        <p:nvPr/>
+      </p:nvGrpSpPr>
+      <p:grpSpPr>
+        <a:xfrm>
+          <a:off x="0" y="0"/>
+          <a:ext cx="0" cy="0"/>
+          <a:chOff x="0" y="0"/>
+          <a:chExt cx="0" cy="0"/>
+        </a:xfrm>
+      </p:grpSpPr>
+      <p:sp>
+        <p:nvSpPr>
+          <p:cNvPr id="2" name="Tytuł 1">
+            <a:extLst>
+              <a:ext uri="{FF2B5EF4-FFF2-40B4-BE49-F238E27FC236}">
+                <a16:creationId xmlns:a16="http://schemas.microsoft.com/office/drawing/2014/main" id="{6995553A-57E7-4CCA-9F01-C0D0E8A609C8}"/>
+              </a:ext>
+            </a:extLst>
+          </p:cNvPr>
+          <p:cNvSpPr>
+            <a:spLocks noGrp="1"/>
+          </p:cNvSpPr>
+          <p:nvPr>
+            <p:ph type="title"/>
+          </p:nvPr>
+        </p:nvSpPr>
+        <p:spPr/>
+        <p:txBody>
+          <a:bodyPr/>
+          <a:lstStyle/>
+          <a:p>
+            <a:pPr algn="ctr"/>
+            <a:r>
+              <a:rPr lang="pl-PL" dirty="0"/>
+              <a:t>Filtrowanie + </a:t>
+            </a:r>
+            <a:r>
+              <a:rPr lang="pl-PL" dirty="0" err="1"/>
+              <a:t>glm</a:t>
+            </a:r>
+            <a:r>
+              <a:rPr lang="pl-PL" dirty="0"/>
+              <a:t> </a:t>
+            </a:r>
+            <a:r>
+              <a:rPr lang="pl-PL" dirty="0" err="1"/>
+              <a:t>importance</a:t>
+            </a:r>
+            <a:endParaRPr lang="pl-PL" dirty="0"/>
+          </a:p>
+        </p:txBody>
+      </p:sp>
+      <p:sp>
+        <p:nvSpPr>
+          <p:cNvPr id="3" name="Symbol zastępczy zawartości 2">
+            <a:extLst>
+              <a:ext uri="{FF2B5EF4-FFF2-40B4-BE49-F238E27FC236}">
+                <a16:creationId xmlns:a16="http://schemas.microsoft.com/office/drawing/2014/main" id="{F68EA44D-7ED9-4710-A125-6A2C578343B3}"/>
+              </a:ext>
+            </a:extLst>
+          </p:cNvPr>
+          <p:cNvSpPr>
+            <a:spLocks noGrp="1"/>
+          </p:cNvSpPr>
+          <p:nvPr>
+            <p:ph idx="1"/>
+          </p:nvPr>
+        </p:nvSpPr>
+        <p:spPr/>
+        <p:txBody>
+          <a:bodyPr/>
+          <a:lstStyle/>
+          <a:p>
+            <a:endParaRPr lang="pl-PL" dirty="0"/>
+          </a:p>
+          <a:p>
+            <a:r>
+              <a:rPr lang="pl-PL" dirty="0" err="1"/>
+              <a:t>Feature</a:t>
+            </a:r>
+            <a:r>
+              <a:rPr lang="pl-PL" dirty="0"/>
+              <a:t> </a:t>
+            </a:r>
+            <a:r>
+              <a:rPr lang="pl-PL" dirty="0" err="1"/>
+              <a:t>filtering</a:t>
+            </a:r>
+            <a:r>
+              <a:rPr lang="pl-PL" dirty="0"/>
+              <a:t> z pakietu </a:t>
+            </a:r>
+            <a:r>
+              <a:rPr lang="pl-PL" dirty="0" err="1"/>
+              <a:t>BounceR</a:t>
+            </a:r>
+            <a:endParaRPr lang="pl-PL" dirty="0"/>
+          </a:p>
+          <a:p>
+            <a:r>
+              <a:rPr lang="pl-PL" dirty="0" err="1"/>
+              <a:t>Glm</a:t>
+            </a:r>
+            <a:r>
+              <a:rPr lang="pl-PL" dirty="0"/>
+              <a:t> </a:t>
+            </a:r>
+            <a:r>
+              <a:rPr lang="pl-PL" dirty="0" err="1"/>
+              <a:t>fit</a:t>
+            </a:r>
+            <a:r>
+              <a:rPr lang="pl-PL" dirty="0"/>
+              <a:t> na całym zbiorze</a:t>
+            </a:r>
+          </a:p>
+          <a:p>
+            <a:r>
+              <a:rPr lang="pl-PL" dirty="0" err="1"/>
+              <a:t>Variable</a:t>
+            </a:r>
+            <a:r>
+              <a:rPr lang="pl-PL" dirty="0"/>
+              <a:t> </a:t>
+            </a:r>
+            <a:r>
+              <a:rPr lang="pl-PL" dirty="0" err="1"/>
+              <a:t>importance</a:t>
+            </a:r>
+            <a:r>
+              <a:rPr lang="pl-PL" dirty="0"/>
+              <a:t> dla modelu </a:t>
+            </a:r>
+            <a:r>
+              <a:rPr lang="pl-PL" dirty="0" err="1"/>
+              <a:t>glm</a:t>
+            </a:r>
+            <a:endParaRPr lang="pl-PL" dirty="0"/>
+          </a:p>
+          <a:p>
+            <a:endParaRPr lang="pl-PL" dirty="0"/>
+          </a:p>
+        </p:txBody>
+      </p:sp>
+    </p:spTree>
+    <p:extLst>
+      <p:ext uri="{BB962C8B-B14F-4D97-AF65-F5344CB8AC3E}">
+        <p14:creationId xmlns:p14="http://schemas.microsoft.com/office/powerpoint/2010/main" val="623324348"/>
+      </p:ext>
+    </p:extLst>
+  </p:cSld>
+  <p:clrMapOvr>
+    <a:masterClrMapping/>
+  </p:clrMapOvr>
+</p:sld>
+</file>
+
+<file path=ppt/slides/slide8.xml><?xml version="1.0" encoding="utf-8"?>
+<p:sld xmlns:a="http://schemas.openxmlformats.org/drawingml/2006/main" xmlns:r="http://schemas.openxmlformats.org/officeDocument/2006/relationships" xmlns:p="http://schemas.openxmlformats.org/presentationml/2006/main">
+  <p:cSld>
+    <p:spTree>
+      <p:nvGrpSpPr>
+        <p:cNvPr id="1" name=""/>
+        <p:cNvGrpSpPr/>
+        <p:nvPr/>
+      </p:nvGrpSpPr>
+      <p:grpSpPr>
+        <a:xfrm>
+          <a:off x="0" y="0"/>
+          <a:ext cx="0" cy="0"/>
+          <a:chOff x="0" y="0"/>
+          <a:chExt cx="0" cy="0"/>
+        </a:xfrm>
+      </p:grpSpPr>
+      <p:sp>
+        <p:nvSpPr>
+          <p:cNvPr id="2" name="Tytuł 1">
+            <a:extLst>
+              <a:ext uri="{FF2B5EF4-FFF2-40B4-BE49-F238E27FC236}">
+                <a16:creationId xmlns:a16="http://schemas.microsoft.com/office/drawing/2014/main" id="{3D58124B-9EE3-4216-9BF8-6EE0A3A6DF7A}"/>
+              </a:ext>
+            </a:extLst>
+          </p:cNvPr>
+          <p:cNvSpPr>
+            <a:spLocks noGrp="1"/>
+          </p:cNvSpPr>
+          <p:nvPr>
+            <p:ph type="title"/>
+          </p:nvPr>
+        </p:nvSpPr>
+        <p:spPr/>
+        <p:txBody>
+          <a:bodyPr/>
+          <a:lstStyle/>
+          <a:p>
+            <a:pPr algn="ctr"/>
+            <a:r>
+              <a:rPr lang="pl-PL" dirty="0"/>
+              <a:t>Król Edyp</a:t>
+            </a:r>
+          </a:p>
+        </p:txBody>
+      </p:sp>
+      <p:sp>
+        <p:nvSpPr>
+          <p:cNvPr id="3" name="Symbol zastępczy zawartości 2">
+            <a:extLst>
+              <a:ext uri="{FF2B5EF4-FFF2-40B4-BE49-F238E27FC236}">
+                <a16:creationId xmlns:a16="http://schemas.microsoft.com/office/drawing/2014/main" id="{B31B2069-09BD-405B-8AE0-0FF4CD935C5E}"/>
+              </a:ext>
+            </a:extLst>
+          </p:cNvPr>
+          <p:cNvSpPr>
+            <a:spLocks noGrp="1"/>
+          </p:cNvSpPr>
+          <p:nvPr>
+            <p:ph idx="1"/>
+          </p:nvPr>
+        </p:nvSpPr>
+        <p:spPr/>
+        <p:txBody>
+          <a:bodyPr/>
+          <a:lstStyle/>
+          <a:p>
+            <a:endParaRPr lang="pl-PL" dirty="0"/>
+          </a:p>
+          <a:p>
+            <a:r>
+              <a:rPr lang="pl-PL" dirty="0" err="1"/>
+              <a:t>Xgboost</a:t>
+            </a:r>
+            <a:r>
+              <a:rPr lang="pl-PL" dirty="0"/>
+              <a:t> daje ok. 50 % skuteczność dla wszystkich cech</a:t>
+            </a:r>
+          </a:p>
+          <a:p>
+            <a:r>
+              <a:rPr lang="pl-PL" dirty="0"/>
+              <a:t>Klasy były zbalansowane, więc metoda wybiera w zasadzie </a:t>
+            </a:r>
+            <a:r>
+              <a:rPr lang="pl-PL" dirty="0" err="1"/>
+              <a:t>nieisotne</a:t>
+            </a:r>
+            <a:r>
+              <a:rPr lang="pl-PL" dirty="0"/>
+              <a:t> </a:t>
+            </a:r>
+            <a:r>
+              <a:rPr lang="pl-PL" dirty="0" err="1"/>
+              <a:t>predyktory</a:t>
+            </a:r>
+            <a:endParaRPr lang="pl-PL" dirty="0"/>
+          </a:p>
+        </p:txBody>
+      </p:sp>
+    </p:spTree>
+    <p:extLst>
+      <p:ext uri="{BB962C8B-B14F-4D97-AF65-F5344CB8AC3E}">
+        <p14:creationId xmlns:p14="http://schemas.microsoft.com/office/powerpoint/2010/main" val="1968322766"/>
+      </p:ext>
+    </p:extLst>
+  </p:cSld>
+  <p:clrMapOvr>
+    <a:masterClrMapping/>
+  </p:clrMapOvr>
+</p:sld>
+</file>
+
+<file path=ppt/slides/slide9.xml><?xml version="1.0" encoding="utf-8"?>
+<p:sld xmlns:a="http://schemas.openxmlformats.org/drawingml/2006/main" xmlns:r="http://schemas.openxmlformats.org/officeDocument/2006/relationships" xmlns:p="http://schemas.openxmlformats.org/presentationml/2006/main">
+  <p:cSld>
+    <p:spTree>
+      <p:nvGrpSpPr>
+        <p:cNvPr id="1" name=""/>
+        <p:cNvGrpSpPr/>
+        <p:nvPr/>
+      </p:nvGrpSpPr>
+      <p:grpSpPr>
+        <a:xfrm>
+          <a:off x="0" y="0"/>
+          <a:ext cx="0" cy="0"/>
+          <a:chOff x="0" y="0"/>
+          <a:chExt cx="0" cy="0"/>
+        </a:xfrm>
+      </p:grpSpPr>
+      <p:sp>
+        <p:nvSpPr>
+          <p:cNvPr id="2" name="Tytuł 1">
+            <a:extLst>
+              <a:ext uri="{FF2B5EF4-FFF2-40B4-BE49-F238E27FC236}">
+                <a16:creationId xmlns:a16="http://schemas.microsoft.com/office/drawing/2014/main" id="{9E449214-9390-4750-AA20-482A8AB9C7FE}"/>
+              </a:ext>
+            </a:extLst>
+          </p:cNvPr>
+          <p:cNvSpPr>
+            <a:spLocks noGrp="1"/>
+          </p:cNvSpPr>
+          <p:nvPr>
+            <p:ph type="title"/>
+          </p:nvPr>
+        </p:nvSpPr>
+        <p:spPr>
+          <a:xfrm>
+            <a:off x="838200" y="2546263"/>
+            <a:ext cx="10515600" cy="1325563"/>
+          </a:xfrm>
+        </p:spPr>
+        <p:txBody>
+          <a:bodyPr/>
+          <a:lstStyle/>
+          <a:p>
+            <a:pPr algn="ctr"/>
+            <a:r>
+              <a:rPr lang="pl-PL" dirty="0"/>
+              <a:t>Dziękuję za uwagę</a:t>
+            </a:r>
+          </a:p>
+        </p:txBody>
+      </p:sp>
+      <p:sp>
+        <p:nvSpPr>
+          <p:cNvPr id="3" name="Symbol zastępczy zawartości 2">
+            <a:extLst>
+              <a:ext uri="{FF2B5EF4-FFF2-40B4-BE49-F238E27FC236}">
+                <a16:creationId xmlns:a16="http://schemas.microsoft.com/office/drawing/2014/main" id="{876A14BB-49FC-4706-9032-4185BD6771A1}"/>
+              </a:ext>
+            </a:extLst>
+          </p:cNvPr>
+          <p:cNvSpPr>
+            <a:spLocks noGrp="1"/>
+          </p:cNvSpPr>
+          <p:nvPr>
+            <p:ph idx="1"/>
+          </p:nvPr>
+        </p:nvSpPr>
+        <p:spPr/>
+        <p:txBody>
+          <a:bodyPr/>
+          <a:lstStyle/>
+          <a:p>
+            <a:endParaRPr lang="pl-PL" dirty="0"/>
+          </a:p>
+          <a:p>
+            <a:endParaRPr lang="pl-PL" dirty="0"/>
+          </a:p>
+        </p:txBody>
+      </p:sp>
+    </p:spTree>
+    <p:extLst>
+      <p:ext uri="{BB962C8B-B14F-4D97-AF65-F5344CB8AC3E}">
+        <p14:creationId xmlns:p14="http://schemas.microsoft.com/office/powerpoint/2010/main" val="3582570620"/>
       </p:ext>
     </p:extLst>
   </p:cSld>
